--- a/Week 5 — Testing — Presentation.pptx
+++ b/Week 5 — Testing — Presentation.pptx
@@ -22,9 +22,16 @@
       <p:regular r:id="rId8"/>
     </p:embeddedFont>
     <p:embeddedFont>
-      <p:font typeface="Oswald" panose="00000500000000000000" pitchFamily="2" charset="0"/>
+      <p:font typeface="Cascadia Code" panose="020B0609020000020004" pitchFamily="49" charset="0"/>
       <p:regular r:id="rId9"/>
       <p:bold r:id="rId10"/>
+      <p:italic r:id="rId11"/>
+      <p:boldItalic r:id="rId12"/>
+    </p:embeddedFont>
+    <p:embeddedFont>
+      <p:font typeface="Oswald" panose="00000500000000000000" pitchFamily="2" charset="0"/>
+      <p:regular r:id="rId13"/>
+      <p:bold r:id="rId14"/>
     </p:embeddedFont>
   </p:embeddedFontLst>
   <p:defaultTextStyle>
@@ -745,8 +752,8 @@
         </p:nvSpPr>
         <p:spPr>
           <a:xfrm>
-            <a:off x="381300" y="685800"/>
-            <a:ext cx="6096075" cy="3429000"/>
+            <a:off x="381000" y="685800"/>
+            <a:ext cx="6096000" cy="3429000"/>
           </a:xfrm>
           <a:custGeom>
             <a:avLst/>
@@ -849,7 +856,7 @@
         </p:nvSpPr>
         <p:spPr>
           <a:xfrm>
-            <a:off x="381300" y="685800"/>
+            <a:off x="381000" y="685800"/>
             <a:ext cx="6096000" cy="3429000"/>
           </a:xfrm>
           <a:custGeom>
@@ -913,10 +920,24 @@
               <a:buNone/>
             </a:pPr>
             <a:r>
-              <a:rPr lang="en-GB"/>
-              <a:t>Jeg er allerede langsom til at udvikle, og at skulle kigge igennem andres kode ville have taget mig meget længere tid.</a:t>
+              <a:rPr lang="da-DK" noProof="0" dirty="0"/>
+              <a:t>Opgaven kræver, at vi udfører unit-tests og integrationstest på kodeprojekter fra sidste uge, og skriver testrapport ud fra hvad, vi finder.</a:t>
             </a:r>
-            <a:endParaRPr/>
+          </a:p>
+          <a:p>
+            <a:pPr marL="0" lvl="0" indent="0" algn="l" rtl="0">
+              <a:spcBef>
+                <a:spcPts val="0"/>
+              </a:spcBef>
+              <a:spcAft>
+                <a:spcPts val="0"/>
+              </a:spcAft>
+              <a:buNone/>
+            </a:pPr>
+            <a:r>
+              <a:rPr lang="da-DK" noProof="0" dirty="0"/>
+              <a:t>Jeg har valgt at teste på min egen kodebase. Jeg er allerede langsom til at udvikle, og at skulle kigge igennem andres kode ville have taget mig så meget længere tid. </a:t>
+            </a:r>
           </a:p>
         </p:txBody>
       </p:sp>
@@ -957,7 +978,7 @@
         </p:nvSpPr>
         <p:spPr>
           <a:xfrm>
-            <a:off x="381300" y="685800"/>
+            <a:off x="381000" y="685800"/>
             <a:ext cx="6096000" cy="3429000"/>
           </a:xfrm>
           <a:custGeom>
@@ -1020,7 +1041,26 @@
               </a:spcAft>
               <a:buNone/>
             </a:pPr>
-            <a:endParaRPr/>
+            <a:r>
+              <a:rPr lang="da-DK" dirty="0"/>
+              <a:t>Jeg er gået med frameworket ”Nunit”. Det var lidt helvede at få sat testprojektet op, så dét, selve opsætningen, har taget små to af de tre-og-en-smule dage vi havde til projektet. </a:t>
+            </a:r>
+          </a:p>
+          <a:p>
+            <a:pPr marL="0" lvl="0" indent="0" algn="l" rtl="0">
+              <a:spcBef>
+                <a:spcPts val="0"/>
+              </a:spcBef>
+              <a:spcAft>
+                <a:spcPts val="0"/>
+              </a:spcAft>
+              <a:buNone/>
+            </a:pPr>
+            <a:r>
+              <a:rPr lang="da-DK" dirty="0"/>
+              <a:t>For at teste kodefunktionalitet bruges unit-tests og integrationstest. Disse har lidt overlap, men unit tests tester generelt én metode i en klasse per testmetode (i et ”one-to-many”-forhold, så der kan sagtens være mange tests til , hvor integrationstest mere dækker samspillet mellem klasser og metoder. Jeg har ikke fået testet meget, men én test, for eksempel, fandt jeg ud af, fejlede, da den kom til oprydningsdelen af testen, ”TearDown”, hvor den forsøgte at slette downloadede filer, men ikke var i stand til dét, fordi ”DownloadManager”-klassen aldrig lukkede dens streams. </a:t>
+            </a:r>
+            <a:endParaRPr dirty="0"/>
           </a:p>
         </p:txBody>
       </p:sp>
@@ -1061,7 +1101,7 @@
         </p:nvSpPr>
         <p:spPr>
           <a:xfrm>
-            <a:off x="381300" y="685800"/>
+            <a:off x="381000" y="685800"/>
             <a:ext cx="6096000" cy="3429000"/>
           </a:xfrm>
           <a:custGeom>
@@ -1124,7 +1164,26 @@
               </a:spcAft>
               <a:buNone/>
             </a:pPr>
-            <a:endParaRPr/>
+            <a:r>
+              <a:rPr lang="da-DK" dirty="0"/>
+              <a:t>Jeg fik ikke brugt skabelonen, men jeg tror, at dette måske kan være ‘nok’. Jeg har skrevet ned, hvilke ændringer jeg har måttet lave i koden; hvilket i professionel sammenhæng nok blot ville være ændringsforslag. Derefter har jeg skrevet ned, hvilke af mine tests, der fejler, med en beskrivelse om hvorfor, samt et estimat om hvor stor virkning en fejl vil have. </a:t>
+            </a:r>
+          </a:p>
+          <a:p>
+            <a:pPr marL="0" lvl="0" indent="0" algn="l" rtl="0">
+              <a:spcBef>
+                <a:spcPts val="0"/>
+              </a:spcBef>
+              <a:spcAft>
+                <a:spcPts val="0"/>
+              </a:spcAft>
+              <a:buNone/>
+            </a:pPr>
+            <a:r>
+              <a:rPr lang="da-DK" dirty="0"/>
+              <a:t>Nedenunder har jeg noter, såsom et forslag til en metode, som skulle have været ”private” og ”static” i stedet for blot ”public”. </a:t>
+            </a:r>
+            <a:endParaRPr dirty="0"/>
           </a:p>
         </p:txBody>
       </p:sp>
@@ -1165,7 +1224,7 @@
         </p:nvSpPr>
         <p:spPr>
           <a:xfrm>
-            <a:off x="381300" y="685800"/>
+            <a:off x="381000" y="685800"/>
             <a:ext cx="6096000" cy="3429000"/>
           </a:xfrm>
           <a:custGeom>
@@ -6609,10 +6668,9 @@
               <a:buNone/>
             </a:pPr>
             <a:r>
-              <a:rPr lang="en-GB"/>
+              <a:rPr lang="da-DK" noProof="0" dirty="0"/>
               <a:t>Testning &amp; Testrapportering</a:t>
             </a:r>
-            <a:endParaRPr/>
           </a:p>
         </p:txBody>
       </p:sp>
@@ -6651,10 +6709,9 @@
               <a:buNone/>
             </a:pPr>
             <a:r>
-              <a:rPr lang="en-GB"/>
+              <a:rPr lang="da-DK" noProof="0" dirty="0"/>
               <a:t>Uge 5 — Softwareudviklingsprojekt</a:t>
             </a:r>
-            <a:endParaRPr/>
           </a:p>
         </p:txBody>
       </p:sp>
@@ -6718,10 +6775,9 @@
               <a:buNone/>
             </a:pPr>
             <a:r>
-              <a:rPr lang="en-GB"/>
+              <a:rPr lang="da-DK" noProof="0" dirty="0"/>
               <a:t>Overordnet</a:t>
             </a:r>
-            <a:endParaRPr/>
           </a:p>
         </p:txBody>
       </p:sp>
@@ -6751,24 +6807,26 @@
           <a:lstStyle/>
           <a:p>
             <a:pPr marL="0" lvl="0" indent="0" algn="l" rtl="0">
-              <a:spcBef>
-                <a:spcPts val="0"/>
-              </a:spcBef>
-              <a:spcAft>
-                <a:spcPts val="0"/>
+              <a:lnSpc>
+                <a:spcPct val="100000"/>
+              </a:lnSpc>
+              <a:spcBef>
+                <a:spcPts val="0"/>
+              </a:spcBef>
+              <a:spcAft>
+                <a:spcPts val="1300"/>
               </a:spcAft>
               <a:buNone/>
             </a:pPr>
             <a:r>
-              <a:rPr lang="en-GB"/>
-              <a:t>Hvis kodebase skal jeg fejlfinde i?</a:t>
+              <a:rPr lang="da-DK" noProof="0" dirty="0"/>
+              <a:t>Om opgaven.</a:t>
             </a:r>
-            <a:endParaRPr/>
           </a:p>
           <a:p>
             <a:pPr marL="0" lvl="0" indent="0" algn="l" rtl="0">
               <a:spcBef>
-                <a:spcPts val="1200"/>
+                <a:spcPts val="0"/>
               </a:spcBef>
               <a:spcAft>
                 <a:spcPts val="0"/>
@@ -6776,10 +6834,9 @@
               <a:buNone/>
             </a:pPr>
             <a:r>
-              <a:rPr lang="en-GB"/>
-              <a:t>Hvordan tester man kode?</a:t>
+              <a:rPr lang="da-DK" noProof="0" dirty="0"/>
+              <a:t>Hvis kodebase skal jeg fejlfinde i?</a:t>
             </a:r>
-            <a:endParaRPr/>
           </a:p>
           <a:p>
             <a:pPr marL="0" lvl="0" indent="0" algn="l" rtl="0">
@@ -6792,10 +6849,9 @@
               <a:buNone/>
             </a:pPr>
             <a:r>
-              <a:rPr lang="en-GB"/>
-              <a:t>Testrapport.</a:t>
+              <a:rPr lang="da-DK" noProof="0" dirty="0"/>
+              <a:t>Hvordan tester man kode?</a:t>
             </a:r>
-            <a:endParaRPr/>
           </a:p>
           <a:p>
             <a:pPr marL="0" lvl="0" indent="0" algn="l" rtl="0">
@@ -6803,15 +6859,33 @@
                 <a:spcPts val="1200"/>
               </a:spcBef>
               <a:spcAft>
-                <a:spcPts val="1200"/>
+                <a:spcPts val="0"/>
               </a:spcAft>
               <a:buNone/>
             </a:pPr>
             <a:r>
-              <a:rPr lang="en-GB" sz="1500"/>
+              <a:rPr lang="da-DK" noProof="0" dirty="0"/>
+              <a:t>Testrapport.</a:t>
+            </a:r>
+          </a:p>
+          <a:p>
+            <a:pPr marL="0" lvl="0" indent="0" algn="l" rtl="0">
+              <a:spcBef>
+                <a:spcPts val="1200"/>
+              </a:spcBef>
+              <a:spcAft>
+                <a:spcPts val="1200"/>
+              </a:spcAft>
+              <a:buNone/>
+            </a:pPr>
+            <a:r>
+              <a:rPr lang="da-DK" sz="1400" noProof="0" dirty="0">
+                <a:solidFill>
+                  <a:schemeClr val="accent2"/>
+                </a:solidFill>
+              </a:rPr>
               <a:t>Den, der har skrevet dette kode bør trækkes om bag skuret og skydes.</a:t>
             </a:r>
-            <a:endParaRPr sz="1500"/>
           </a:p>
         </p:txBody>
       </p:sp>
@@ -6931,10 +7005,9 @@
               <a:buNone/>
             </a:pPr>
             <a:r>
-              <a:rPr lang="en-GB"/>
+              <a:rPr lang="da-DK" noProof="0" dirty="0"/>
               <a:t>Unit Test</a:t>
             </a:r>
-            <a:endParaRPr/>
           </a:p>
         </p:txBody>
       </p:sp>
@@ -6951,7 +7024,7 @@
         <p:spPr>
           <a:xfrm>
             <a:off x="311700" y="1152475"/>
-            <a:ext cx="4260300" cy="3416400"/>
+            <a:ext cx="4260300" cy="1659305"/>
           </a:xfrm>
           <a:prstGeom prst="rect">
             <a:avLst/>
@@ -6973,18 +7046,17 @@
               <a:buNone/>
             </a:pPr>
             <a:r>
-              <a:rPr lang="en-GB"/>
+              <a:rPr lang="da-DK" noProof="0" dirty="0"/>
               <a:t>Test-</a:t>
             </a:r>
             <a:r>
-              <a:rPr lang="en-GB" i="1"/>
+              <a:rPr lang="da-DK" i="1" noProof="0" dirty="0"/>
               <a:t>framework</a:t>
             </a:r>
             <a:r>
-              <a:rPr lang="en-GB"/>
+              <a:rPr lang="da-DK" noProof="0" dirty="0"/>
               <a:t>.</a:t>
             </a:r>
-            <a:endParaRPr/>
           </a:p>
           <a:p>
             <a:pPr marL="0" lvl="0" indent="0" algn="l" rtl="0">
@@ -6997,10 +7069,9 @@
               <a:buNone/>
             </a:pPr>
             <a:r>
-              <a:rPr lang="en-GB"/>
+              <a:rPr lang="da-DK" noProof="0" dirty="0"/>
               <a:t>Opsætning og spildte mandetimer.</a:t>
             </a:r>
-            <a:endParaRPr/>
           </a:p>
           <a:p>
             <a:pPr marL="0" lvl="0" indent="0" algn="l" rtl="0">
@@ -7013,10 +7084,9 @@
               <a:buNone/>
             </a:pPr>
             <a:r>
-              <a:rPr lang="en-GB"/>
-              <a:t>Hvordan virker en testmetode?</a:t>
+              <a:rPr lang="da-DK" noProof="0" dirty="0"/>
+              <a:t>Hvordan virker en testmetode:</a:t>
             </a:r>
-            <a:endParaRPr/>
           </a:p>
         </p:txBody>
       </p:sp>
@@ -7056,7 +7126,7 @@
               </a:spcAft>
               <a:buNone/>
             </a:pPr>
-            <a:endParaRPr sz="1305">
+            <a:endParaRPr lang="da-DK" sz="1305" noProof="0" dirty="0">
               <a:latin typeface="Average"/>
               <a:ea typeface="Average"/>
               <a:cs typeface="Average"/>
@@ -7093,6 +7163,127 @@
           </a:ln>
         </p:spPr>
       </p:pic>
+      <p:sp>
+        <p:nvSpPr>
+          <p:cNvPr id="3" name="TextBox 2">
+            <a:extLst>
+              <a:ext uri="{FF2B5EF4-FFF2-40B4-BE49-F238E27FC236}">
+                <a16:creationId xmlns:a16="http://schemas.microsoft.com/office/drawing/2014/main" id="{47BF9684-2448-3A34-9DD4-425DD8099FE1}"/>
+              </a:ext>
+            </a:extLst>
+          </p:cNvPr>
+          <p:cNvSpPr txBox="1"/>
+          <p:nvPr/>
+        </p:nvSpPr>
+        <p:spPr>
+          <a:xfrm>
+            <a:off x="768475" y="2772937"/>
+            <a:ext cx="2279525" cy="1384995"/>
+          </a:xfrm>
+          <a:prstGeom prst="rect">
+            <a:avLst/>
+          </a:prstGeom>
+          <a:noFill/>
+        </p:spPr>
+        <p:txBody>
+          <a:bodyPr wrap="square" rtlCol="0">
+            <a:spAutoFit/>
+          </a:bodyPr>
+          <a:lstStyle/>
+          <a:p>
+            <a:pPr algn="ctr"/>
+            <a:r>
+              <a:rPr lang="da-DK" sz="2800" dirty="0">
+                <a:solidFill>
+                  <a:schemeClr val="accent3"/>
+                </a:solidFill>
+                <a:latin typeface="Cascadia Code" panose="020B0609020000020004" pitchFamily="49" charset="0"/>
+                <a:cs typeface="Cascadia Code" panose="020B0609020000020004" pitchFamily="49" charset="0"/>
+              </a:rPr>
+              <a:t>[</a:t>
+            </a:r>
+            <a:r>
+              <a:rPr lang="da-DK" sz="2800" dirty="0">
+                <a:solidFill>
+                  <a:schemeClr val="accent4">
+                    <a:lumMod val="50000"/>
+                  </a:schemeClr>
+                </a:solidFill>
+                <a:latin typeface="Cascadia Code" panose="020B0609020000020004" pitchFamily="49" charset="0"/>
+                <a:cs typeface="Cascadia Code" panose="020B0609020000020004" pitchFamily="49" charset="0"/>
+              </a:rPr>
+              <a:t>SetUp</a:t>
+            </a:r>
+            <a:r>
+              <a:rPr lang="da-DK" sz="2800" dirty="0">
+                <a:solidFill>
+                  <a:schemeClr val="accent3"/>
+                </a:solidFill>
+                <a:latin typeface="Cascadia Code" panose="020B0609020000020004" pitchFamily="49" charset="0"/>
+                <a:cs typeface="Cascadia Code" panose="020B0609020000020004" pitchFamily="49" charset="0"/>
+              </a:rPr>
+              <a:t>] [</a:t>
+            </a:r>
+            <a:r>
+              <a:rPr lang="da-DK" sz="2800" dirty="0">
+                <a:solidFill>
+                  <a:schemeClr val="accent4">
+                    <a:lumMod val="50000"/>
+                  </a:schemeClr>
+                </a:solidFill>
+                <a:latin typeface="Cascadia Code" panose="020B0609020000020004" pitchFamily="49" charset="0"/>
+                <a:cs typeface="Cascadia Code" panose="020B0609020000020004" pitchFamily="49" charset="0"/>
+              </a:rPr>
+              <a:t>Test</a:t>
+            </a:r>
+            <a:r>
+              <a:rPr lang="da-DK" sz="2800" dirty="0">
+                <a:solidFill>
+                  <a:schemeClr val="accent3"/>
+                </a:solidFill>
+                <a:latin typeface="Cascadia Code" panose="020B0609020000020004" pitchFamily="49" charset="0"/>
+                <a:cs typeface="Cascadia Code" panose="020B0609020000020004" pitchFamily="49" charset="0"/>
+              </a:rPr>
+              <a:t>]</a:t>
+            </a:r>
+          </a:p>
+          <a:p>
+            <a:pPr algn="ctr"/>
+            <a:r>
+              <a:rPr lang="da-DK" sz="2800" dirty="0">
+                <a:solidFill>
+                  <a:schemeClr val="accent3"/>
+                </a:solidFill>
+                <a:latin typeface="Cascadia Code" panose="020B0609020000020004" pitchFamily="49" charset="0"/>
+                <a:cs typeface="Cascadia Code" panose="020B0609020000020004" pitchFamily="49" charset="0"/>
+              </a:rPr>
+              <a:t>[</a:t>
+            </a:r>
+            <a:r>
+              <a:rPr lang="da-DK" sz="2800" dirty="0">
+                <a:solidFill>
+                  <a:schemeClr val="accent4">
+                    <a:lumMod val="50000"/>
+                  </a:schemeClr>
+                </a:solidFill>
+                <a:latin typeface="Cascadia Code" panose="020B0609020000020004" pitchFamily="49" charset="0"/>
+                <a:cs typeface="Cascadia Code" panose="020B0609020000020004" pitchFamily="49" charset="0"/>
+              </a:rPr>
+              <a:t>TearDown</a:t>
+            </a:r>
+            <a:r>
+              <a:rPr lang="da-DK" sz="2800" dirty="0">
+                <a:solidFill>
+                  <a:schemeClr val="accent3"/>
+                </a:solidFill>
+                <a:latin typeface="Cascadia Code" panose="020B0609020000020004" pitchFamily="49" charset="0"/>
+                <a:cs typeface="Cascadia Code" panose="020B0609020000020004" pitchFamily="49" charset="0"/>
+              </a:rPr>
+              <a:t>]</a:t>
+            </a:r>
+          </a:p>
+        </p:txBody>
+      </p:sp>
     </p:spTree>
   </p:cSld>
   <p:clrMapOvr>
@@ -7153,10 +7344,9 @@
               <a:buNone/>
             </a:pPr>
             <a:r>
-              <a:rPr lang="en-GB"/>
+              <a:rPr lang="da-DK" noProof="0" dirty="0"/>
               <a:t>Rapport</a:t>
             </a:r>
-            <a:endParaRPr/>
           </a:p>
         </p:txBody>
       </p:sp>
@@ -7195,10 +7385,9 @@
               <a:buNone/>
             </a:pPr>
             <a:r>
-              <a:rPr lang="en-GB"/>
+              <a:rPr lang="da-DK" noProof="0" dirty="0"/>
               <a:t>Ændringer / foreslåede ændringer.</a:t>
             </a:r>
-            <a:endParaRPr/>
           </a:p>
           <a:p>
             <a:pPr marL="0" lvl="0" indent="0" algn="l" rtl="0">
@@ -7211,10 +7400,9 @@
               <a:buNone/>
             </a:pPr>
             <a:r>
-              <a:rPr lang="en-GB"/>
+              <a:rPr lang="da-DK" noProof="0" dirty="0"/>
               <a:t>Fejlende tests.</a:t>
             </a:r>
-            <a:endParaRPr/>
           </a:p>
           <a:p>
             <a:pPr marL="0" lvl="0" indent="0" algn="l" rtl="0">
@@ -7227,10 +7415,9 @@
               <a:buNone/>
             </a:pPr>
             <a:r>
-              <a:rPr lang="en-GB" i="1"/>
+              <a:rPr lang="da-DK" i="1" noProof="0" dirty="0"/>
               <a:t>Impact assessment.</a:t>
             </a:r>
-            <a:endParaRPr i="1"/>
           </a:p>
           <a:p>
             <a:pPr marL="0" lvl="0" indent="0" algn="l" rtl="0">
@@ -7243,10 +7430,9 @@
               <a:buNone/>
             </a:pPr>
             <a:r>
-              <a:rPr lang="en-GB"/>
+              <a:rPr lang="da-DK" noProof="0" dirty="0"/>
               <a:t>Noter.</a:t>
             </a:r>
-            <a:endParaRPr/>
           </a:p>
         </p:txBody>
       </p:sp>
@@ -7338,10 +7524,9 @@
               <a:buNone/>
             </a:pPr>
             <a:r>
-              <a:rPr lang="en-GB"/>
+              <a:rPr lang="da-DK" noProof="0" dirty="0"/>
               <a:t>Spørgsmål / input</a:t>
             </a:r>
-            <a:endParaRPr/>
           </a:p>
         </p:txBody>
       </p:sp>
@@ -7379,7 +7564,7 @@
               </a:spcAft>
               <a:buNone/>
             </a:pPr>
-            <a:endParaRPr/>
+            <a:endParaRPr lang="da-DK" noProof="0" dirty="0"/>
           </a:p>
         </p:txBody>
       </p:sp>
